--- a/Formal/Praesentation/AnnikaNassalDFKIZwischenpräsentation.pptx
+++ b/Formal/Praesentation/AnnikaNassalDFKIZwischenpräsentation.pptx
@@ -2166,7 +2166,7 @@
             <a:fld id="{70ECDC0B-31CC-4185-8C41-4FA61DE805DE}" type="datetimeFigureOut">
               <a:rPr lang="de-DE" smtClean="0"/>
               <a:pPr/>
-              <a:t>24.05.2020</a:t>
+              <a:t>26.05.2020</a:t>
             </a:fld>
             <a:endParaRPr lang="de-DE"/>
           </a:p>
